--- a/Dashboard/Telecom -Atliq -codebasics-Presentation.pptx
+++ b/Dashboard/Telecom -Atliq -codebasics-Presentation.pptx
@@ -309,7 +309,7 @@
           <a:p>
             <a:fld id="{AD9DF85F-78C4-43FB-A76D-F83A65A4F123}" type="datetimeFigureOut">
               <a:rPr lang="en-US" smtClean="0"/>
-              <a:t>07-Dec-22</a:t>
+              <a:t>08-Dec-22</a:t>
             </a:fld>
             <a:endParaRPr lang="en-US" dirty="0"/>
           </a:p>
@@ -584,7 +584,7 @@
           <a:p>
             <a:fld id="{AD9DF85F-78C4-43FB-A76D-F83A65A4F123}" type="datetimeFigureOut">
               <a:rPr lang="en-US" smtClean="0"/>
-              <a:t>07-Dec-22</a:t>
+              <a:t>08-Dec-22</a:t>
             </a:fld>
             <a:endParaRPr lang="en-US" dirty="0"/>
           </a:p>
@@ -778,7 +778,7 @@
           <a:p>
             <a:fld id="{AD9DF85F-78C4-43FB-A76D-F83A65A4F123}" type="datetimeFigureOut">
               <a:rPr lang="en-US" smtClean="0"/>
-              <a:t>07-Dec-22</a:t>
+              <a:t>08-Dec-22</a:t>
             </a:fld>
             <a:endParaRPr lang="en-US" dirty="0"/>
           </a:p>
@@ -1051,7 +1051,7 @@
           <a:p>
             <a:fld id="{AD9DF85F-78C4-43FB-A76D-F83A65A4F123}" type="datetimeFigureOut">
               <a:rPr lang="en-US" smtClean="0"/>
-              <a:t>07-Dec-22</a:t>
+              <a:t>08-Dec-22</a:t>
             </a:fld>
             <a:endParaRPr lang="en-US" dirty="0"/>
           </a:p>
@@ -1392,7 +1392,7 @@
           <a:p>
             <a:fld id="{AD9DF85F-78C4-43FB-A76D-F83A65A4F123}" type="datetimeFigureOut">
               <a:rPr lang="en-US" smtClean="0"/>
-              <a:t>07-Dec-22</a:t>
+              <a:t>08-Dec-22</a:t>
             </a:fld>
             <a:endParaRPr lang="en-US" dirty="0"/>
           </a:p>
@@ -2015,7 +2015,7 @@
           <a:p>
             <a:fld id="{AD9DF85F-78C4-43FB-A76D-F83A65A4F123}" type="datetimeFigureOut">
               <a:rPr lang="en-US" smtClean="0"/>
-              <a:t>07-Dec-22</a:t>
+              <a:t>08-Dec-22</a:t>
             </a:fld>
             <a:endParaRPr lang="en-US" dirty="0"/>
           </a:p>
@@ -2875,7 +2875,7 @@
           <a:p>
             <a:fld id="{AD9DF85F-78C4-43FB-A76D-F83A65A4F123}" type="datetimeFigureOut">
               <a:rPr lang="en-US" smtClean="0"/>
-              <a:t>07-Dec-22</a:t>
+              <a:t>08-Dec-22</a:t>
             </a:fld>
             <a:endParaRPr lang="en-US" dirty="0"/>
           </a:p>
@@ -3045,7 +3045,7 @@
           <a:p>
             <a:fld id="{AD9DF85F-78C4-43FB-A76D-F83A65A4F123}" type="datetimeFigureOut">
               <a:rPr lang="en-US" smtClean="0"/>
-              <a:t>07-Dec-22</a:t>
+              <a:t>08-Dec-22</a:t>
             </a:fld>
             <a:endParaRPr lang="en-US" dirty="0"/>
           </a:p>
@@ -3225,7 +3225,7 @@
           <a:p>
             <a:fld id="{AD9DF85F-78C4-43FB-A76D-F83A65A4F123}" type="datetimeFigureOut">
               <a:rPr lang="en-US" smtClean="0"/>
-              <a:t>07-Dec-22</a:t>
+              <a:t>08-Dec-22</a:t>
             </a:fld>
             <a:endParaRPr lang="en-US" dirty="0"/>
           </a:p>
@@ -3395,7 +3395,7 @@
           <a:p>
             <a:fld id="{AD9DF85F-78C4-43FB-A76D-F83A65A4F123}" type="datetimeFigureOut">
               <a:rPr lang="en-US" smtClean="0"/>
-              <a:t>07-Dec-22</a:t>
+              <a:t>08-Dec-22</a:t>
             </a:fld>
             <a:endParaRPr lang="en-US" dirty="0"/>
           </a:p>
@@ -3642,7 +3642,7 @@
           <a:p>
             <a:fld id="{AD9DF85F-78C4-43FB-A76D-F83A65A4F123}" type="datetimeFigureOut">
               <a:rPr lang="en-US" smtClean="0"/>
-              <a:t>07-Dec-22</a:t>
+              <a:t>08-Dec-22</a:t>
             </a:fld>
             <a:endParaRPr lang="en-US" dirty="0"/>
           </a:p>
@@ -3934,7 +3934,7 @@
           <a:p>
             <a:fld id="{AD9DF85F-78C4-43FB-A76D-F83A65A4F123}" type="datetimeFigureOut">
               <a:rPr lang="en-US" smtClean="0"/>
-              <a:t>07-Dec-22</a:t>
+              <a:t>08-Dec-22</a:t>
             </a:fld>
             <a:endParaRPr lang="en-US" dirty="0"/>
           </a:p>
@@ -4378,7 +4378,7 @@
           <a:p>
             <a:fld id="{AD9DF85F-78C4-43FB-A76D-F83A65A4F123}" type="datetimeFigureOut">
               <a:rPr lang="en-US" smtClean="0"/>
-              <a:t>07-Dec-22</a:t>
+              <a:t>08-Dec-22</a:t>
             </a:fld>
             <a:endParaRPr lang="en-US" dirty="0"/>
           </a:p>
@@ -4496,7 +4496,7 @@
           <a:p>
             <a:fld id="{AD9DF85F-78C4-43FB-A76D-F83A65A4F123}" type="datetimeFigureOut">
               <a:rPr lang="en-US" smtClean="0"/>
-              <a:t>07-Dec-22</a:t>
+              <a:t>08-Dec-22</a:t>
             </a:fld>
             <a:endParaRPr lang="en-US" dirty="0"/>
           </a:p>
@@ -4591,7 +4591,7 @@
           <a:p>
             <a:fld id="{AD9DF85F-78C4-43FB-A76D-F83A65A4F123}" type="datetimeFigureOut">
               <a:rPr lang="en-US" smtClean="0"/>
-              <a:t>07-Dec-22</a:t>
+              <a:t>08-Dec-22</a:t>
             </a:fld>
             <a:endParaRPr lang="en-US" dirty="0"/>
           </a:p>
@@ -4870,7 +4870,7 @@
           <a:p>
             <a:fld id="{AD9DF85F-78C4-43FB-A76D-F83A65A4F123}" type="datetimeFigureOut">
               <a:rPr lang="en-US" smtClean="0"/>
-              <a:t>07-Dec-22</a:t>
+              <a:t>08-Dec-22</a:t>
             </a:fld>
             <a:endParaRPr lang="en-US" dirty="0"/>
           </a:p>
@@ -5145,7 +5145,7 @@
           <a:p>
             <a:fld id="{AD9DF85F-78C4-43FB-A76D-F83A65A4F123}" type="datetimeFigureOut">
               <a:rPr lang="en-US" smtClean="0"/>
-              <a:t>07-Dec-22</a:t>
+              <a:t>08-Dec-22</a:t>
             </a:fld>
             <a:endParaRPr lang="en-US" dirty="0"/>
           </a:p>
@@ -5574,7 +5574,7 @@
           <a:p>
             <a:fld id="{AD9DF85F-78C4-43FB-A76D-F83A65A4F123}" type="datetimeFigureOut">
               <a:rPr lang="en-US" smtClean="0"/>
-              <a:t>07-Dec-22</a:t>
+              <a:t>08-Dec-22</a:t>
             </a:fld>
             <a:endParaRPr lang="en-US" dirty="0"/>
           </a:p>
@@ -6458,10 +6458,10 @@
       </p:sp>
       <p:pic>
         <p:nvPicPr>
-          <p:cNvPr id="10" name="Picture 9">
+          <p:cNvPr id="6" name="Picture 5">
             <a:extLst>
               <a:ext uri="{FF2B5EF4-FFF2-40B4-BE49-F238E27FC236}">
-                <a16:creationId xmlns:a16="http://schemas.microsoft.com/office/drawing/2014/main" id="{CEBCEB43-AAAD-7DE4-90BC-65D4BD894D86}"/>
+                <a16:creationId xmlns:a16="http://schemas.microsoft.com/office/drawing/2014/main" id="{9AF94F06-1766-558C-DEEA-9CC0F3C2EFCB}"/>
               </a:ext>
             </a:extLst>
           </p:cNvPr>
@@ -6484,8 +6484,8 @@
         </p:blipFill>
         <p:spPr>
           <a:xfrm>
-            <a:off x="3555999" y="101484"/>
-            <a:ext cx="4731657" cy="6655032"/>
+            <a:off x="3133165" y="0"/>
+            <a:ext cx="4760259" cy="6858000"/>
           </a:xfrm>
           <a:prstGeom prst="rect">
             <a:avLst/>
@@ -6621,7 +6621,7 @@
             </a:pPr>
             <a:r>
               <a:rPr lang="en-US" dirty="0"/>
-              <a:t> There is increasing in Average revenue per user(ARPU) After Implementing the 5G is 9.95% (21 crores).</a:t>
+              <a:t> There is increasing in Average revenue per user(ARPU) After Implementing the 5G is 11.05% (21 crores).</a:t>
             </a:r>
           </a:p>
           <a:p>
@@ -6634,8 +6634,13 @@
             </a:pPr>
             <a:r>
               <a:rPr lang="en-US" dirty="0"/>
-              <a:t>Average Monthly active users is decreasing the implementation after 5G  of 18 lakhs users(9.93%). Average Monthly Unsubscribed users increase in the implementation after 5G  of 4 lakhs users (19.03%).</a:t>
-            </a:r>
+              <a:t>Average Monthly active users is decreasing the implementation after 5G  of 18 lakhs users(-8.28%). Average Monthly Unsubscribed users increase in the implementation after 5G  of 4 lakhs </a:t>
+            </a:r>
+            <a:r>
+              <a:rPr lang="en-US"/>
+              <a:t>users (23.50%).</a:t>
+            </a:r>
+            <a:endParaRPr lang="en-US" dirty="0"/>
           </a:p>
           <a:p>
             <a:endParaRPr lang="en-US" dirty="0"/>
